--- a/DMLAB-SS2020 ARF.pptx
+++ b/DMLAB-SS2020 ARF.pptx
@@ -11,14 +11,13 @@
     <p:sldId id="259" r:id="rId5"/>
     <p:sldId id="260" r:id="rId6"/>
     <p:sldId id="261" r:id="rId7"/>
-    <p:sldId id="262" r:id="rId8"/>
-    <p:sldId id="263" r:id="rId9"/>
-    <p:sldId id="264" r:id="rId10"/>
-    <p:sldId id="265" r:id="rId11"/>
-    <p:sldId id="266" r:id="rId12"/>
-    <p:sldId id="267" r:id="rId13"/>
-    <p:sldId id="268" r:id="rId14"/>
-    <p:sldId id="269" r:id="rId15"/>
+    <p:sldId id="270" r:id="rId8"/>
+    <p:sldId id="262" r:id="rId9"/>
+    <p:sldId id="265" r:id="rId10"/>
+    <p:sldId id="266" r:id="rId11"/>
+    <p:sldId id="267" r:id="rId12"/>
+    <p:sldId id="268" r:id="rId13"/>
+    <p:sldId id="269" r:id="rId14"/>
   </p:sldIdLst>
   <p:sldSz cx="12192000" cy="6858000"/>
   <p:notesSz cx="6858000" cy="9144000"/>
@@ -3197,7 +3196,7 @@
           <p:cNvPr id="2" name="Title 1">
             <a:extLst>
               <a:ext uri="{FF2B5EF4-FFF2-40B4-BE49-F238E27FC236}">
-                <a16:creationId xmlns:a16="http://schemas.microsoft.com/office/drawing/2014/main" id="{4F93AE99-98AF-4305-B095-53FF5B5BB4B2}"/>
+                <a16:creationId xmlns:a16="http://schemas.microsoft.com/office/drawing/2014/main" id="{1EFBFFFF-1F2F-4306-98F1-BCA68A7B03D2}"/>
               </a:ext>
             </a:extLst>
           </p:cNvPr>
@@ -3215,7 +3214,7 @@
           <a:p>
             <a:r>
               <a:rPr lang="en-US" dirty="0"/>
-              <a:t>Datasets</a:t>
+              <a:t>Performance Metrics</a:t>
             </a:r>
             <a:endParaRPr lang="en-IN" dirty="0"/>
           </a:p>
@@ -3226,7 +3225,7 @@
           <p:cNvPr id="3" name="Content Placeholder 2">
             <a:extLst>
               <a:ext uri="{FF2B5EF4-FFF2-40B4-BE49-F238E27FC236}">
-                <a16:creationId xmlns:a16="http://schemas.microsoft.com/office/drawing/2014/main" id="{BC156463-8881-456E-8FA3-084F43695FB8}"/>
+                <a16:creationId xmlns:a16="http://schemas.microsoft.com/office/drawing/2014/main" id="{FFEA03C8-7C9B-4656-93AF-9F0E9A78695C}"/>
               </a:ext>
             </a:extLst>
           </p:cNvPr>
@@ -3242,14 +3241,73 @@
           <a:bodyPr/>
           <a:lstStyle/>
           <a:p>
-            <a:endParaRPr lang="en-IN"/>
+            <a:r>
+              <a:rPr lang="en-US" dirty="0"/>
+              <a:t>Prequential evaluation(PE) with the recall</a:t>
+            </a:r>
+          </a:p>
+          <a:p>
+            <a:pPr lvl="1"/>
+            <a:r>
+              <a:rPr lang="en-US" dirty="0"/>
+              <a:t>test-then-train approach.</a:t>
+            </a:r>
+          </a:p>
+          <a:p>
+            <a:pPr lvl="1"/>
+            <a:r>
+              <a:rPr lang="en-US" dirty="0"/>
+              <a:t>best for estimating error on data streams.</a:t>
+            </a:r>
+          </a:p>
+          <a:p>
+            <a:pPr lvl="1"/>
+            <a:r>
+              <a:rPr lang="en-US" dirty="0"/>
+              <a:t>Faster response for detecting drifts</a:t>
+            </a:r>
+          </a:p>
+          <a:p>
+            <a:r>
+              <a:rPr lang="en-US" dirty="0"/>
+              <a:t>Recall is best metric to access performance when dealing with imbalanced dataset.</a:t>
+            </a:r>
+          </a:p>
+          <a:p>
+            <a:r>
+              <a:rPr lang="en-US" dirty="0"/>
+              <a:t>Macro Avg of Recall, CPU time to train and update the model.</a:t>
+            </a:r>
+          </a:p>
+          <a:p>
+            <a:r>
+              <a:rPr lang="en-US" dirty="0"/>
+              <a:t>Testing ARF</a:t>
+            </a:r>
+            <a:r>
+              <a:rPr lang="en-US" baseline="-25000" dirty="0"/>
+              <a:t>RE</a:t>
+            </a:r>
+            <a:r>
+              <a:rPr lang="en-US" dirty="0"/>
+              <a:t> with ARF also with state-of-the-art ensembles classifier like: Leveraging bagging, online bagging </a:t>
+            </a:r>
+            <a:r>
+              <a:rPr lang="en-US" dirty="0" err="1"/>
+              <a:t>learnNSE</a:t>
+            </a:r>
+            <a:r>
+              <a:rPr lang="en-US" dirty="0"/>
+              <a:t> and Online accuracy update ensemble.</a:t>
+            </a:r>
+            <a:endParaRPr lang="en-IN" dirty="0"/>
           </a:p>
         </p:txBody>
       </p:sp>
     </p:spTree>
     <p:extLst>
       <p:ext uri="{BB962C8B-B14F-4D97-AF65-F5344CB8AC3E}">
-        <p14:creationId xmlns:p14="http://schemas.microsoft.com/office/powerpoint/2010/main" val="2135145430"/>
+        <p14:creationId xmlns:p14="http://schemas.microsoft.com/office/powerpoint/2010/main" val="2903987424"/>
       </p:ext>
     </p:extLst>
   </p:cSld>
@@ -3281,7 +3339,7 @@
           <p:cNvPr id="2" name="Title 1">
             <a:extLst>
               <a:ext uri="{FF2B5EF4-FFF2-40B4-BE49-F238E27FC236}">
-                <a16:creationId xmlns:a16="http://schemas.microsoft.com/office/drawing/2014/main" id="{1EFBFFFF-1F2F-4306-98F1-BCA68A7B03D2}"/>
+                <a16:creationId xmlns:a16="http://schemas.microsoft.com/office/drawing/2014/main" id="{2A113540-5FC0-4C76-B5BB-A04D033F35EF}"/>
               </a:ext>
             </a:extLst>
           </p:cNvPr>
@@ -3299,7 +3357,7 @@
           <a:p>
             <a:r>
               <a:rPr lang="en-US" dirty="0"/>
-              <a:t>Performance Metrics</a:t>
+              <a:t>Current Status</a:t>
             </a:r>
             <a:endParaRPr lang="en-IN" dirty="0"/>
           </a:p>
@@ -3310,7 +3368,7 @@
           <p:cNvPr id="3" name="Content Placeholder 2">
             <a:extLst>
               <a:ext uri="{FF2B5EF4-FFF2-40B4-BE49-F238E27FC236}">
-                <a16:creationId xmlns:a16="http://schemas.microsoft.com/office/drawing/2014/main" id="{FFEA03C8-7C9B-4656-93AF-9F0E9A78695C}"/>
+                <a16:creationId xmlns:a16="http://schemas.microsoft.com/office/drawing/2014/main" id="{3B56E8A5-4BAE-4002-A6E5-537FDC84FC12}"/>
               </a:ext>
             </a:extLst>
           </p:cNvPr>
@@ -3323,17 +3381,92 @@
         </p:nvSpPr>
         <p:spPr/>
         <p:txBody>
-          <a:bodyPr/>
-          <a:lstStyle/>
-          <a:p>
-            <a:endParaRPr lang="en-IN"/>
+          <a:bodyPr>
+            <a:normAutofit/>
+          </a:bodyPr>
+          <a:lstStyle/>
+          <a:p>
+            <a:r>
+              <a:rPr lang="en-US" dirty="0"/>
+              <a:t>Performed evaluate prequential of ARF</a:t>
+            </a:r>
+            <a:r>
+              <a:rPr lang="en-US" baseline="-25000" dirty="0"/>
+              <a:t>RE</a:t>
+            </a:r>
+            <a:r>
+              <a:rPr lang="en-US" dirty="0"/>
+              <a:t>, ARF, LB, OZA, L. NSE &amp; OAUE using MOA with following data set:</a:t>
+            </a:r>
+          </a:p>
+          <a:p>
+            <a:pPr lvl="1"/>
+            <a:r>
+              <a:rPr lang="en-US" dirty="0"/>
+              <a:t>AIR</a:t>
+            </a:r>
+          </a:p>
+          <a:p>
+            <a:pPr lvl="1"/>
+            <a:r>
+              <a:rPr lang="en-US" dirty="0"/>
+              <a:t>GMSC</a:t>
+            </a:r>
+          </a:p>
+          <a:p>
+            <a:pPr lvl="1"/>
+            <a:r>
+              <a:rPr lang="en-US" dirty="0"/>
+              <a:t>ELEC</a:t>
+            </a:r>
+          </a:p>
+          <a:p>
+            <a:pPr lvl="1"/>
+            <a:r>
+              <a:rPr lang="en-US" dirty="0"/>
+              <a:t>COVTYPE</a:t>
+            </a:r>
+          </a:p>
+          <a:p>
+            <a:pPr lvl="1"/>
+            <a:r>
+              <a:rPr lang="en-US" dirty="0"/>
+              <a:t>SEA</a:t>
+            </a:r>
+            <a:endParaRPr lang="en-IN" dirty="0"/>
+          </a:p>
+          <a:p>
+            <a:r>
+              <a:rPr lang="en-IN" dirty="0"/>
+              <a:t>Started porting the code from Java to python. More here: (</a:t>
+            </a:r>
+            <a:r>
+              <a:rPr lang="en-IN" dirty="0">
+                <a:hlinkClick r:id="rId2"/>
+              </a:rPr>
+              <a:t>https://github.com/kushvarma/dm_arf</a:t>
+            </a:r>
+            <a:r>
+              <a:rPr lang="en-IN" dirty="0"/>
+              <a:t> &amp; </a:t>
+            </a:r>
+            <a:r>
+              <a:rPr lang="en-IN" dirty="0">
+                <a:hlinkClick r:id="rId3"/>
+              </a:rPr>
+              <a:t>https://github.com/kushvarma/scikit-multiflow</a:t>
+            </a:r>
+            <a:r>
+              <a:rPr lang="en-IN" dirty="0"/>
+              <a:t> )</a:t>
+            </a:r>
           </a:p>
         </p:txBody>
       </p:sp>
     </p:spTree>
     <p:extLst>
       <p:ext uri="{BB962C8B-B14F-4D97-AF65-F5344CB8AC3E}">
-        <p14:creationId xmlns:p14="http://schemas.microsoft.com/office/powerpoint/2010/main" val="2903987424"/>
+        <p14:creationId xmlns:p14="http://schemas.microsoft.com/office/powerpoint/2010/main" val="2655096655"/>
       </p:ext>
     </p:extLst>
   </p:cSld>
@@ -3365,90 +3498,6 @@
           <p:cNvPr id="2" name="Title 1">
             <a:extLst>
               <a:ext uri="{FF2B5EF4-FFF2-40B4-BE49-F238E27FC236}">
-                <a16:creationId xmlns:a16="http://schemas.microsoft.com/office/drawing/2014/main" id="{2A113540-5FC0-4C76-B5BB-A04D033F35EF}"/>
-              </a:ext>
-            </a:extLst>
-          </p:cNvPr>
-          <p:cNvSpPr>
-            <a:spLocks noGrp="1"/>
-          </p:cNvSpPr>
-          <p:nvPr>
-            <p:ph type="title"/>
-          </p:nvPr>
-        </p:nvSpPr>
-        <p:spPr/>
-        <p:txBody>
-          <a:bodyPr/>
-          <a:lstStyle/>
-          <a:p>
-            <a:r>
-              <a:rPr lang="en-US" dirty="0"/>
-              <a:t>Current Status</a:t>
-            </a:r>
-            <a:endParaRPr lang="en-IN" dirty="0"/>
-          </a:p>
-        </p:txBody>
-      </p:sp>
-      <p:sp>
-        <p:nvSpPr>
-          <p:cNvPr id="3" name="Content Placeholder 2">
-            <a:extLst>
-              <a:ext uri="{FF2B5EF4-FFF2-40B4-BE49-F238E27FC236}">
-                <a16:creationId xmlns:a16="http://schemas.microsoft.com/office/drawing/2014/main" id="{3B56E8A5-4BAE-4002-A6E5-537FDC84FC12}"/>
-              </a:ext>
-            </a:extLst>
-          </p:cNvPr>
-          <p:cNvSpPr>
-            <a:spLocks noGrp="1"/>
-          </p:cNvSpPr>
-          <p:nvPr>
-            <p:ph idx="1"/>
-          </p:nvPr>
-        </p:nvSpPr>
-        <p:spPr/>
-        <p:txBody>
-          <a:bodyPr/>
-          <a:lstStyle/>
-          <a:p>
-            <a:endParaRPr lang="en-IN"/>
-          </a:p>
-        </p:txBody>
-      </p:sp>
-    </p:spTree>
-    <p:extLst>
-      <p:ext uri="{BB962C8B-B14F-4D97-AF65-F5344CB8AC3E}">
-        <p14:creationId xmlns:p14="http://schemas.microsoft.com/office/powerpoint/2010/main" val="2655096655"/>
-      </p:ext>
-    </p:extLst>
-  </p:cSld>
-  <p:clrMapOvr>
-    <a:masterClrMapping/>
-  </p:clrMapOvr>
-</p:sld>
-</file>
-
-<file path=ppt/slides/slide13.xml><?xml version="1.0" encoding="utf-8"?>
-<p:sld xmlns:a="http://schemas.openxmlformats.org/drawingml/2006/main" xmlns:r="http://schemas.openxmlformats.org/officeDocument/2006/relationships" xmlns:p="http://schemas.openxmlformats.org/presentationml/2006/main">
-  <p:cSld>
-    <p:spTree>
-      <p:nvGrpSpPr>
-        <p:cNvPr id="1" name=""/>
-        <p:cNvGrpSpPr/>
-        <p:nvPr/>
-      </p:nvGrpSpPr>
-      <p:grpSpPr>
-        <a:xfrm>
-          <a:off x="0" y="0"/>
-          <a:ext cx="0" cy="0"/>
-          <a:chOff x="0" y="0"/>
-          <a:chExt cx="0" cy="0"/>
-        </a:xfrm>
-      </p:grpSpPr>
-      <p:sp>
-        <p:nvSpPr>
-          <p:cNvPr id="2" name="Title 1">
-            <a:extLst>
-              <a:ext uri="{FF2B5EF4-FFF2-40B4-BE49-F238E27FC236}">
                 <a16:creationId xmlns:a16="http://schemas.microsoft.com/office/drawing/2014/main" id="{C2078A7E-F88D-46F3-A323-2780D63D731E}"/>
               </a:ext>
             </a:extLst>
@@ -3494,7 +3543,62 @@
           <a:bodyPr/>
           <a:lstStyle/>
           <a:p>
-            <a:endParaRPr lang="en-IN"/>
+            <a:pPr algn="ctr"/>
+            <a:r>
+              <a:rPr lang="en-US" dirty="0"/>
+              <a:t>Porting the code of ARF</a:t>
+            </a:r>
+            <a:r>
+              <a:rPr lang="en-US" baseline="-25000" dirty="0"/>
+              <a:t>RE</a:t>
+            </a:r>
+            <a:r>
+              <a:rPr lang="en-US" dirty="0"/>
+              <a:t> from MOA (Java) to scikit-</a:t>
+            </a:r>
+            <a:r>
+              <a:rPr lang="en-US" dirty="0" err="1"/>
+              <a:t>multiflow</a:t>
+            </a:r>
+            <a:r>
+              <a:rPr lang="en-US" dirty="0"/>
+              <a:t>(Python)</a:t>
+            </a:r>
+          </a:p>
+          <a:p>
+            <a:r>
+              <a:rPr lang="en-US" dirty="0"/>
+              <a:t>Performing Prequential evaluation using scikit-</a:t>
+            </a:r>
+            <a:r>
+              <a:rPr lang="en-US" dirty="0" err="1"/>
+              <a:t>multiflow</a:t>
+            </a:r>
+            <a:r>
+              <a:rPr lang="en-US" dirty="0"/>
+              <a:t>.</a:t>
+            </a:r>
+          </a:p>
+          <a:p>
+            <a:r>
+              <a:rPr lang="en-US" dirty="0"/>
+              <a:t>Comparing with state-of-the-art ensembles.</a:t>
+            </a:r>
+          </a:p>
+          <a:p>
+            <a:r>
+              <a:rPr lang="en-US" dirty="0"/>
+              <a:t>Perform experiment with more datasets in both MOA and scikit-</a:t>
+            </a:r>
+            <a:r>
+              <a:rPr lang="en-US" dirty="0" err="1"/>
+              <a:t>multiflow</a:t>
+            </a:r>
+            <a:r>
+              <a:rPr lang="en-US" dirty="0"/>
+              <a:t>. </a:t>
+            </a:r>
+            <a:endParaRPr lang="en-IN" dirty="0"/>
           </a:p>
         </p:txBody>
       </p:sp>
@@ -3511,7 +3615,7 @@
 </p:sld>
 </file>
 
-<file path=ppt/slides/slide14.xml><?xml version="1.0" encoding="utf-8"?>
+<file path=ppt/slides/slide13.xml><?xml version="1.0" encoding="utf-8"?>
 <p:sld xmlns:a="http://schemas.openxmlformats.org/drawingml/2006/main" xmlns:r="http://schemas.openxmlformats.org/officeDocument/2006/relationships" xmlns:p="http://schemas.openxmlformats.org/presentationml/2006/main">
   <p:cSld>
     <p:spTree>
@@ -4205,31 +4309,355 @@
           </a:p>
         </p:txBody>
       </p:sp>
-      <p:sp>
-        <p:nvSpPr>
-          <p:cNvPr id="3" name="Content Placeholder 2">
-            <a:extLst>
-              <a:ext uri="{FF2B5EF4-FFF2-40B4-BE49-F238E27FC236}">
-                <a16:creationId xmlns:a16="http://schemas.microsoft.com/office/drawing/2014/main" id="{9A9CB1DF-8304-47EC-9B2D-4DF5805ECCE7}"/>
-              </a:ext>
-            </a:extLst>
-          </p:cNvPr>
-          <p:cNvSpPr>
-            <a:spLocks noGrp="1"/>
-          </p:cNvSpPr>
-          <p:nvPr>
-            <p:ph idx="1"/>
-          </p:nvPr>
-        </p:nvSpPr>
-        <p:spPr/>
-        <p:txBody>
-          <a:bodyPr/>
-          <a:lstStyle/>
-          <a:p>
-            <a:endParaRPr lang="en-IN" dirty="0"/>
-          </a:p>
-        </p:txBody>
-      </p:sp>
+      <mc:AlternateContent xmlns:mc="http://schemas.openxmlformats.org/markup-compatibility/2006">
+        <mc:Choice xmlns:a14="http://schemas.microsoft.com/office/drawing/2010/main" Requires="a14">
+          <p:sp>
+            <p:nvSpPr>
+              <p:cNvPr id="3" name="Content Placeholder 2">
+                <a:extLst>
+                  <a:ext uri="{FF2B5EF4-FFF2-40B4-BE49-F238E27FC236}">
+                    <a16:creationId xmlns:a16="http://schemas.microsoft.com/office/drawing/2014/main" id="{9A9CB1DF-8304-47EC-9B2D-4DF5805ECCE7}"/>
+                  </a:ext>
+                </a:extLst>
+              </p:cNvPr>
+              <p:cNvSpPr>
+                <a:spLocks noGrp="1"/>
+              </p:cNvSpPr>
+              <p:nvPr>
+                <p:ph idx="1"/>
+              </p:nvPr>
+            </p:nvSpPr>
+            <p:spPr/>
+            <p:txBody>
+              <a:bodyPr>
+                <a:normAutofit fontScale="92500" lnSpcReduction="10000"/>
+              </a:bodyPr>
+              <a:lstStyle/>
+              <a:p>
+                <a:r>
+                  <a:rPr lang="en-US" dirty="0"/>
+                  <a:t>Understanding ARF:</a:t>
+                </a:r>
+              </a:p>
+              <a:p>
+                <a:pPr lvl="1"/>
+                <a:r>
+                  <a:rPr lang="en-IN" dirty="0"/>
+                  <a:t>ARF simulate sampling with reposition, instead of growing each tree sequentially on different subsets of data.</a:t>
+                </a:r>
+              </a:p>
+              <a:p>
+                <a:pPr lvl="1"/>
+                <a:r>
+                  <a:rPr lang="en-IN" dirty="0"/>
+                  <a:t>In Online Bagging, instead of sampling with replacement, it gives weight according to Poisson (</a:t>
+                </a:r>
+                <a:r>
+                  <a:rPr lang="el-GR" dirty="0"/>
+                  <a:t>λ</a:t>
+                </a:r>
+                <a:r>
+                  <a:rPr lang="en-US" dirty="0"/>
+                  <a:t> = 1). ARF increased </a:t>
+                </a:r>
+                <a:r>
+                  <a:rPr lang="el-GR" dirty="0"/>
+                  <a:t>λ</a:t>
+                </a:r>
+                <a:r>
+                  <a:rPr lang="en-US" dirty="0"/>
+                  <a:t> to 6, so same instance can be used.</a:t>
+                </a:r>
+              </a:p>
+              <a:p>
+                <a:r>
+                  <a:rPr lang="en-US" dirty="0"/>
+                  <a:t>In ARF</a:t>
+                </a:r>
+                <a:r>
+                  <a:rPr lang="en-US" baseline="-25000" dirty="0"/>
+                  <a:t>RE </a:t>
+                </a:r>
+                <a:r>
+                  <a:rPr lang="en-US" dirty="0"/>
+                  <a:t>combines weights to the output of Poisson Distribution, changing the chances of an instance being used for training based on current class distribution.</a:t>
+                </a:r>
+              </a:p>
+              <a:p>
+                <a14:m>
+                  <m:oMath xmlns:m="http://schemas.openxmlformats.org/officeDocument/2006/math">
+                    <m:r>
+                      <a:rPr lang="en-US" b="0" i="1" smtClean="0">
+                        <a:latin typeface="Cambria Math" panose="02040503050406030204" pitchFamily="18" charset="0"/>
+                      </a:rPr>
+                      <m:t>𝑤𝑒𝑖𝑔h𝑡</m:t>
+                    </m:r>
+                    <m:d>
+                      <m:dPr>
+                        <m:ctrlPr>
+                          <a:rPr lang="en-US" b="0" i="1" smtClean="0">
+                            <a:latin typeface="Cambria Math" panose="02040503050406030204" pitchFamily="18" charset="0"/>
+                          </a:rPr>
+                        </m:ctrlPr>
+                      </m:dPr>
+                      <m:e>
+                        <m:r>
+                          <a:rPr lang="en-US" b="0" i="1" smtClean="0">
+                            <a:latin typeface="Cambria Math" panose="02040503050406030204" pitchFamily="18" charset="0"/>
+                          </a:rPr>
+                          <m:t>𝑆</m:t>
+                        </m:r>
+                        <m:r>
+                          <a:rPr lang="en-US" b="0" i="1" baseline="-25000" smtClean="0">
+                            <a:latin typeface="Cambria Math" panose="02040503050406030204" pitchFamily="18" charset="0"/>
+                          </a:rPr>
+                          <m:t>𝑐</m:t>
+                        </m:r>
+                        <m:r>
+                          <a:rPr lang="en-US" b="0" i="1" smtClean="0">
+                            <a:latin typeface="Cambria Math" panose="02040503050406030204" pitchFamily="18" charset="0"/>
+                          </a:rPr>
+                          <m:t>, </m:t>
+                        </m:r>
+                        <m:r>
+                          <a:rPr lang="en-US" b="0" i="1" smtClean="0">
+                            <a:latin typeface="Cambria Math" panose="02040503050406030204" pitchFamily="18" charset="0"/>
+                          </a:rPr>
+                          <m:t>𝑆𝑛</m:t>
+                        </m:r>
+                        <m:r>
+                          <a:rPr lang="en-US" b="0" i="1" smtClean="0">
+                            <a:latin typeface="Cambria Math" panose="02040503050406030204" pitchFamily="18" charset="0"/>
+                          </a:rPr>
+                          <m:t>,</m:t>
+                        </m:r>
+                        <m:r>
+                          <m:rPr>
+                            <m:nor/>
+                          </m:rPr>
+                          <a:rPr lang="en-US" b="0" i="0" smtClean="0">
+                            <a:latin typeface="Cambria Math" panose="02040503050406030204" pitchFamily="18" charset="0"/>
+                          </a:rPr>
+                          <m:t> </m:t>
+                        </m:r>
+                        <m:r>
+                          <m:rPr>
+                            <m:sty m:val="p"/>
+                          </m:rPr>
+                          <a:rPr lang="el-GR" b="0" i="1" smtClean="0">
+                            <a:latin typeface="Cambria Math" panose="02040503050406030204" pitchFamily="18" charset="0"/>
+                            <a:ea typeface="Cambria Math" panose="02040503050406030204" pitchFamily="18" charset="0"/>
+                          </a:rPr>
+                          <m:t>λ</m:t>
+                        </m:r>
+                      </m:e>
+                    </m:d>
+                    <m:r>
+                      <a:rPr lang="en-US" b="0" i="1" smtClean="0">
+                        <a:latin typeface="Cambria Math" panose="02040503050406030204" pitchFamily="18" charset="0"/>
+                        <a:ea typeface="Cambria Math" panose="02040503050406030204" pitchFamily="18" charset="0"/>
+                      </a:rPr>
+                      <m:t>= </m:t>
+                    </m:r>
+                    <m:d>
+                      <m:dPr>
+                        <m:ctrlPr>
+                          <a:rPr lang="en-US" b="0" i="1" smtClean="0">
+                            <a:latin typeface="Cambria Math" panose="02040503050406030204" pitchFamily="18" charset="0"/>
+                            <a:ea typeface="Cambria Math" panose="02040503050406030204" pitchFamily="18" charset="0"/>
+                          </a:rPr>
+                        </m:ctrlPr>
+                      </m:dPr>
+                      <m:e>
+                        <m:f>
+                          <m:fPr>
+                            <m:type m:val="skw"/>
+                            <m:ctrlPr>
+                              <a:rPr lang="en-US" i="1">
+                                <a:latin typeface="Cambria Math" panose="02040503050406030204" pitchFamily="18" charset="0"/>
+                                <a:ea typeface="Cambria Math" panose="02040503050406030204" pitchFamily="18" charset="0"/>
+                              </a:rPr>
+                            </m:ctrlPr>
+                          </m:fPr>
+                          <m:num>
+                            <m:d>
+                              <m:dPr>
+                                <m:ctrlPr>
+                                  <a:rPr lang="en-US" i="1">
+                                    <a:latin typeface="Cambria Math" panose="02040503050406030204" pitchFamily="18" charset="0"/>
+                                    <a:ea typeface="Cambria Math" panose="02040503050406030204" pitchFamily="18" charset="0"/>
+                                  </a:rPr>
+                                </m:ctrlPr>
+                              </m:dPr>
+                              <m:e>
+                                <m:r>
+                                  <a:rPr lang="en-US" i="1">
+                                    <a:latin typeface="Cambria Math" panose="02040503050406030204" pitchFamily="18" charset="0"/>
+                                    <a:ea typeface="Cambria Math" panose="02040503050406030204" pitchFamily="18" charset="0"/>
+                                  </a:rPr>
+                                  <m:t>100−</m:t>
+                                </m:r>
+                                <m:f>
+                                  <m:fPr>
+                                    <m:ctrlPr>
+                                      <a:rPr lang="en-US" i="1">
+                                        <a:latin typeface="Cambria Math" panose="02040503050406030204" pitchFamily="18" charset="0"/>
+                                        <a:ea typeface="Cambria Math" panose="02040503050406030204" pitchFamily="18" charset="0"/>
+                                      </a:rPr>
+                                    </m:ctrlPr>
+                                  </m:fPr>
+                                  <m:num>
+                                    <m:r>
+                                      <a:rPr lang="en-US" i="1">
+                                        <a:latin typeface="Cambria Math" panose="02040503050406030204" pitchFamily="18" charset="0"/>
+                                        <a:ea typeface="Cambria Math" panose="02040503050406030204" pitchFamily="18" charset="0"/>
+                                      </a:rPr>
+                                      <m:t>𝑆</m:t>
+                                    </m:r>
+                                    <m:r>
+                                      <a:rPr lang="en-US" i="1" baseline="-25000">
+                                        <a:latin typeface="Cambria Math" panose="02040503050406030204" pitchFamily="18" charset="0"/>
+                                        <a:ea typeface="Cambria Math" panose="02040503050406030204" pitchFamily="18" charset="0"/>
+                                      </a:rPr>
+                                      <m:t>𝑐</m:t>
+                                    </m:r>
+                                    <m:r>
+                                      <a:rPr lang="en-US" i="1">
+                                        <a:latin typeface="Cambria Math" panose="02040503050406030204" pitchFamily="18" charset="0"/>
+                                        <a:ea typeface="Cambria Math" panose="02040503050406030204" pitchFamily="18" charset="0"/>
+                                      </a:rPr>
+                                      <m:t> ∗ 100</m:t>
+                                    </m:r>
+                                  </m:num>
+                                  <m:den>
+                                    <m:r>
+                                      <a:rPr lang="en-US" i="1">
+                                        <a:latin typeface="Cambria Math" panose="02040503050406030204" pitchFamily="18" charset="0"/>
+                                        <a:ea typeface="Cambria Math" panose="02040503050406030204" pitchFamily="18" charset="0"/>
+                                      </a:rPr>
+                                      <m:t>𝑆</m:t>
+                                    </m:r>
+                                    <m:r>
+                                      <a:rPr lang="en-US" i="1" baseline="-25000">
+                                        <a:latin typeface="Cambria Math" panose="02040503050406030204" pitchFamily="18" charset="0"/>
+                                        <a:ea typeface="Cambria Math" panose="02040503050406030204" pitchFamily="18" charset="0"/>
+                                      </a:rPr>
+                                      <m:t>𝑛</m:t>
+                                    </m:r>
+                                  </m:den>
+                                </m:f>
+                              </m:e>
+                            </m:d>
+                          </m:num>
+                          <m:den>
+                            <m:r>
+                              <a:rPr lang="en-US" i="1">
+                                <a:latin typeface="Cambria Math" panose="02040503050406030204" pitchFamily="18" charset="0"/>
+                                <a:ea typeface="Cambria Math" panose="02040503050406030204" pitchFamily="18" charset="0"/>
+                              </a:rPr>
+                              <m:t>100</m:t>
+                            </m:r>
+                          </m:den>
+                        </m:f>
+                      </m:e>
+                    </m:d>
+                    <m:r>
+                      <a:rPr lang="en-US" b="0" i="0" smtClean="0">
+                        <a:latin typeface="Cambria Math" panose="02040503050406030204" pitchFamily="18" charset="0"/>
+                        <a:ea typeface="Cambria Math" panose="02040503050406030204" pitchFamily="18" charset="0"/>
+                      </a:rPr>
+                      <m:t>∗</m:t>
+                    </m:r>
+                    <m:r>
+                      <m:rPr>
+                        <m:sty m:val="p"/>
+                      </m:rPr>
+                      <a:rPr lang="en-US" b="0" i="0" smtClean="0">
+                        <a:latin typeface="Cambria Math" panose="02040503050406030204" pitchFamily="18" charset="0"/>
+                        <a:ea typeface="Cambria Math" panose="02040503050406030204" pitchFamily="18" charset="0"/>
+                      </a:rPr>
+                      <m:t>Poisson</m:t>
+                    </m:r>
+                    <m:r>
+                      <a:rPr lang="en-US" b="0" i="0" smtClean="0">
+                        <a:latin typeface="Cambria Math" panose="02040503050406030204" pitchFamily="18" charset="0"/>
+                        <a:ea typeface="Cambria Math" panose="02040503050406030204" pitchFamily="18" charset="0"/>
+                      </a:rPr>
+                      <m:t>(</m:t>
+                    </m:r>
+                    <m:r>
+                      <m:rPr>
+                        <m:sty m:val="p"/>
+                      </m:rPr>
+                      <a:rPr lang="el-GR" b="0" i="1" smtClean="0">
+                        <a:latin typeface="Cambria Math" panose="02040503050406030204" pitchFamily="18" charset="0"/>
+                        <a:ea typeface="Cambria Math" panose="02040503050406030204" pitchFamily="18" charset="0"/>
+                      </a:rPr>
+                      <m:t>λ</m:t>
+                    </m:r>
+                    <m:r>
+                      <a:rPr lang="en-US" b="0" i="1" smtClean="0">
+                        <a:latin typeface="Cambria Math" panose="02040503050406030204" pitchFamily="18" charset="0"/>
+                        <a:ea typeface="Cambria Math" panose="02040503050406030204" pitchFamily="18" charset="0"/>
+                      </a:rPr>
+                      <m:t>)</m:t>
+                    </m:r>
+                  </m:oMath>
+                </a14:m>
+                <a:r>
+                  <a:rPr lang="en-IN" dirty="0"/>
+                  <a:t> [Eq. 1] where Sc is total instances from class c, Sn is total number of instances observed in stream.</a:t>
+                </a:r>
+              </a:p>
+              <a:p>
+                <a:pPr marL="0" indent="0">
+                  <a:buNone/>
+                </a:pPr>
+                <a:endParaRPr lang="en-IN" dirty="0"/>
+              </a:p>
+            </p:txBody>
+          </p:sp>
+        </mc:Choice>
+        <mc:Fallback>
+          <p:sp>
+            <p:nvSpPr>
+              <p:cNvPr id="3" name="Content Placeholder 2">
+                <a:extLst>
+                  <a:ext uri="{FF2B5EF4-FFF2-40B4-BE49-F238E27FC236}">
+                    <a16:creationId xmlns:a16="http://schemas.microsoft.com/office/drawing/2014/main" id="{9A9CB1DF-8304-47EC-9B2D-4DF5805ECCE7}"/>
+                  </a:ext>
+                </a:extLst>
+              </p:cNvPr>
+              <p:cNvSpPr>
+                <a:spLocks noGrp="1" noRot="1" noChangeAspect="1" noMove="1" noResize="1" noEditPoints="1" noAdjustHandles="1" noChangeArrowheads="1" noChangeShapeType="1" noTextEdit="1"/>
+              </p:cNvSpPr>
+              <p:nvPr>
+                <p:ph idx="1"/>
+              </p:nvPr>
+            </p:nvSpPr>
+            <p:spPr>
+              <a:blipFill>
+                <a:blip r:embed="rId2"/>
+                <a:stretch>
+                  <a:fillRect l="-928" t="-2801" r="-870"/>
+                </a:stretch>
+              </a:blipFill>
+            </p:spPr>
+            <p:txBody>
+              <a:bodyPr/>
+              <a:lstStyle/>
+              <a:p>
+                <a:r>
+                  <a:rPr lang="en-IN">
+                    <a:noFill/>
+                  </a:rPr>
+                  <a:t> </a:t>
+                </a:r>
+              </a:p>
+            </p:txBody>
+          </p:sp>
+        </mc:Fallback>
+      </mc:AlternateContent>
     </p:spTree>
     <p:extLst>
       <p:ext uri="{BB962C8B-B14F-4D97-AF65-F5344CB8AC3E}">
@@ -4246,6 +4674,14 @@
 <file path=ppt/slides/slide7.xml><?xml version="1.0" encoding="utf-8"?>
 <p:sld xmlns:a="http://schemas.openxmlformats.org/drawingml/2006/main" xmlns:r="http://schemas.openxmlformats.org/officeDocument/2006/relationships" xmlns:p="http://schemas.openxmlformats.org/presentationml/2006/main">
   <p:cSld>
+    <p:bg>
+      <p:bgPr>
+        <a:solidFill>
+          <a:schemeClr val="bg1"/>
+        </a:solidFill>
+        <a:effectLst/>
+      </p:bgPr>
+    </p:bg>
     <p:spTree>
       <p:nvGrpSpPr>
         <p:cNvPr id="1" name=""/>
@@ -4265,7 +4701,7 @@
           <p:cNvPr id="2" name="Title 1">
             <a:extLst>
               <a:ext uri="{FF2B5EF4-FFF2-40B4-BE49-F238E27FC236}">
-                <a16:creationId xmlns:a16="http://schemas.microsoft.com/office/drawing/2014/main" id="{EC7298E7-C9E1-4856-997C-6842143D2B9E}"/>
+                <a16:creationId xmlns:a16="http://schemas.microsoft.com/office/drawing/2014/main" id="{84C4781A-0711-474E-B0D0-2271E3BD71C2}"/>
               </a:ext>
             </a:extLst>
           </p:cNvPr>
@@ -4282,12 +4718,16 @@
           <a:lstStyle/>
           <a:p>
             <a:r>
-              <a:rPr lang="en-US" dirty="0"/>
-              <a:t>MOA &amp; scikit-</a:t>
-            </a:r>
-            <a:r>
-              <a:rPr lang="en-US" dirty="0" err="1"/>
-              <a:t>multiflow</a:t>
+              <a:rPr lang="en-US"/>
+              <a:t>ARF</a:t>
+            </a:r>
+            <a:r>
+              <a:rPr lang="en-US" baseline="-25000"/>
+              <a:t>RE</a:t>
+            </a:r>
+            <a:r>
+              <a:rPr lang="en-US"/>
+              <a:t> Algorithm </a:t>
             </a:r>
             <a:endParaRPr lang="en-IN" dirty="0"/>
           </a:p>
@@ -4298,7 +4738,7 @@
           <p:cNvPr id="3" name="Content Placeholder 2">
             <a:extLst>
               <a:ext uri="{FF2B5EF4-FFF2-40B4-BE49-F238E27FC236}">
-                <a16:creationId xmlns:a16="http://schemas.microsoft.com/office/drawing/2014/main" id="{A5323EA9-EF01-4B42-B834-162277563AE7}"/>
+                <a16:creationId xmlns:a16="http://schemas.microsoft.com/office/drawing/2014/main" id="{4FEB7082-6003-418B-B05A-0817ED2D4A04}"/>
               </a:ext>
             </a:extLst>
           </p:cNvPr>
@@ -4309,19 +4749,255 @@
             <p:ph idx="1"/>
           </p:nvPr>
         </p:nvSpPr>
-        <p:spPr/>
-        <p:txBody>
-          <a:bodyPr/>
-          <a:lstStyle/>
-          <a:p>
-            <a:endParaRPr lang="en-IN"/>
-          </a:p>
-        </p:txBody>
-      </p:sp>
+        <p:spPr>
+          <a:xfrm>
+            <a:off x="7150018" y="1825625"/>
+            <a:ext cx="4203781" cy="4351338"/>
+          </a:xfrm>
+        </p:spPr>
+        <p:txBody>
+          <a:bodyPr>
+            <a:normAutofit fontScale="92500" lnSpcReduction="10000"/>
+          </a:bodyPr>
+          <a:lstStyle/>
+          <a:p>
+            <a:pPr marL="0" indent="0">
+              <a:buNone/>
+            </a:pPr>
+            <a:r>
+              <a:rPr lang="en-GB" sz="1600"/>
+              <a:t>ARF with resampling. </a:t>
+            </a:r>
+          </a:p>
+          <a:p>
+            <a:pPr marL="0" indent="0">
+              <a:buNone/>
+            </a:pPr>
+            <a:r>
+              <a:rPr lang="en-GB" sz="1600"/>
+              <a:t>Symbols: </a:t>
+            </a:r>
+            <a:r>
+              <a:rPr lang="en-GB" sz="1600" i="1"/>
+              <a:t>m</a:t>
+            </a:r>
+            <a:r>
+              <a:rPr lang="en-GB" sz="1600"/>
+              <a:t>: maximum features evaluated per split</a:t>
+            </a:r>
+          </a:p>
+          <a:p>
+            <a:pPr marL="0" indent="0">
+              <a:buNone/>
+            </a:pPr>
+            <a:r>
+              <a:rPr lang="en-GB" sz="1600" i="1"/>
+              <a:t>n</a:t>
+            </a:r>
+            <a:r>
+              <a:rPr lang="en-GB" sz="1600"/>
+              <a:t>: total number of trees</a:t>
+            </a:r>
+          </a:p>
+          <a:p>
+            <a:pPr marL="0" indent="0">
+              <a:buNone/>
+            </a:pPr>
+            <a:r>
+              <a:rPr lang="en-GB" sz="1600"/>
+              <a:t>δ</a:t>
+            </a:r>
+            <a:r>
+              <a:rPr lang="en-GB" sz="1600" i="1" baseline="-25000"/>
+              <a:t>w</a:t>
+            </a:r>
+            <a:r>
+              <a:rPr lang="en-GB" sz="1600"/>
+              <a:t>: warning threshold </a:t>
+            </a:r>
+          </a:p>
+          <a:p>
+            <a:pPr marL="0" indent="0">
+              <a:buNone/>
+            </a:pPr>
+            <a:r>
+              <a:rPr lang="en-GB" sz="1600"/>
+              <a:t>δ</a:t>
+            </a:r>
+            <a:r>
+              <a:rPr lang="en-GB" sz="1600" i="1" baseline="-25000"/>
+              <a:t>d</a:t>
+            </a:r>
+            <a:r>
+              <a:rPr lang="en-GB" sz="1600"/>
+              <a:t>: drift threshold</a:t>
+            </a:r>
+          </a:p>
+          <a:p>
+            <a:pPr marL="0" indent="0">
+              <a:buNone/>
+            </a:pPr>
+            <a:r>
+              <a:rPr lang="en-GB" sz="1600" i="1"/>
+              <a:t>c(·)</a:t>
+            </a:r>
+            <a:r>
+              <a:rPr lang="en-GB" sz="1600"/>
+              <a:t>: change detection method</a:t>
+            </a:r>
+          </a:p>
+          <a:p>
+            <a:pPr marL="0" indent="0">
+              <a:buNone/>
+            </a:pPr>
+            <a:r>
+              <a:rPr lang="en-GB" sz="1600" i="1"/>
+              <a:t>S</a:t>
+            </a:r>
+            <a:r>
+              <a:rPr lang="en-GB" sz="1600"/>
+              <a:t>: Data stream</a:t>
+            </a:r>
+          </a:p>
+          <a:p>
+            <a:pPr marL="0" indent="0">
+              <a:buNone/>
+            </a:pPr>
+            <a:r>
+              <a:rPr lang="en-GB" sz="1600" i="1"/>
+              <a:t>B</a:t>
+            </a:r>
+            <a:r>
+              <a:rPr lang="en-GB" sz="1600"/>
+              <a:t>: Set of background trees</a:t>
+            </a:r>
+          </a:p>
+          <a:p>
+            <a:pPr marL="0" indent="0">
+              <a:buNone/>
+            </a:pPr>
+            <a:r>
+              <a:rPr lang="en-GB" sz="1600"/>
+              <a:t>W(</a:t>
+            </a:r>
+            <a:r>
+              <a:rPr lang="en-GB" sz="1600" i="1"/>
+              <a:t>t</a:t>
+            </a:r>
+            <a:r>
+              <a:rPr lang="en-GB" sz="1600"/>
+              <a:t>): Tree </a:t>
+            </a:r>
+            <a:r>
+              <a:rPr lang="en-GB" sz="1600" i="1"/>
+              <a:t>t</a:t>
+            </a:r>
+            <a:r>
+              <a:rPr lang="en-GB" sz="1600"/>
+              <a:t> weight</a:t>
+            </a:r>
+          </a:p>
+          <a:p>
+            <a:pPr marL="0" indent="0">
+              <a:buNone/>
+            </a:pPr>
+            <a:r>
+              <a:rPr lang="en-GB" sz="1600" i="1"/>
+              <a:t>P(·)</a:t>
+            </a:r>
+            <a:r>
+              <a:rPr lang="en-GB" sz="1600"/>
+              <a:t>: Learning performance estimation function </a:t>
+            </a:r>
+          </a:p>
+          <a:p>
+            <a:pPr marL="0" indent="0">
+              <a:buNone/>
+            </a:pPr>
+            <a:r>
+              <a:rPr lang="en-GB" sz="1600"/>
+              <a:t>S</a:t>
+            </a:r>
+            <a:r>
+              <a:rPr lang="en-GB" sz="1600" i="1" baseline="-25000"/>
+              <a:t>n</a:t>
+            </a:r>
+            <a:r>
+              <a:rPr lang="en-GB" sz="1600"/>
+              <a:t>: Current instance counter</a:t>
+            </a:r>
+          </a:p>
+          <a:p>
+            <a:pPr marL="0" indent="0">
+              <a:buNone/>
+            </a:pPr>
+            <a:r>
+              <a:rPr lang="en-GB" sz="1600" i="1"/>
+              <a:t>S</a:t>
+            </a:r>
+            <a:r>
+              <a:rPr lang="en-GB" sz="1600" i="1" baseline="-25000"/>
+              <a:t>c</a:t>
+            </a:r>
+            <a:r>
+              <a:rPr lang="en-GB" sz="1600"/>
+              <a:t>: Number of occurrences of class label c</a:t>
+            </a:r>
+          </a:p>
+          <a:p>
+            <a:pPr marL="0" indent="0">
+              <a:buNone/>
+            </a:pPr>
+            <a:r>
+              <a:rPr lang="en-GB" sz="1600"/>
+              <a:t>λ: Expected value and variation of a Poisson distribution</a:t>
+            </a:r>
+          </a:p>
+          <a:p>
+            <a:endParaRPr lang="en-IN" sz="1600" dirty="0"/>
+          </a:p>
+        </p:txBody>
+      </p:sp>
+      <p:pic>
+        <p:nvPicPr>
+          <p:cNvPr id="8" name="Picture 7" descr="A screenshot of text&#10;&#10;Description automatically generated">
+            <a:extLst>
+              <a:ext uri="{FF2B5EF4-FFF2-40B4-BE49-F238E27FC236}">
+                <a16:creationId xmlns:a16="http://schemas.microsoft.com/office/drawing/2014/main" id="{ED225244-FD22-44DA-AAA9-80A1045317DF}"/>
+              </a:ext>
+            </a:extLst>
+          </p:cNvPr>
+          <p:cNvPicPr>
+            <a:picLocks noChangeAspect="1"/>
+          </p:cNvPicPr>
+          <p:nvPr/>
+        </p:nvPicPr>
+        <p:blipFill>
+          <a:blip r:embed="rId2">
+            <a:extLst>
+              <a:ext uri="{28A0092B-C50C-407E-A947-70E740481C1C}">
+                <a14:useLocalDpi xmlns:a14="http://schemas.microsoft.com/office/drawing/2010/main" val="0"/>
+              </a:ext>
+            </a:extLst>
+          </a:blip>
+          <a:stretch>
+            <a:fillRect/>
+          </a:stretch>
+        </p:blipFill>
+        <p:spPr>
+          <a:xfrm>
+            <a:off x="989560" y="1542645"/>
+            <a:ext cx="4052423" cy="5045186"/>
+          </a:xfrm>
+          <a:prstGeom prst="rect">
+            <a:avLst/>
+          </a:prstGeom>
+        </p:spPr>
+      </p:pic>
     </p:spTree>
     <p:extLst>
       <p:ext uri="{BB962C8B-B14F-4D97-AF65-F5344CB8AC3E}">
-        <p14:creationId xmlns:p14="http://schemas.microsoft.com/office/powerpoint/2010/main" val="3573363969"/>
+        <p14:creationId xmlns:p14="http://schemas.microsoft.com/office/powerpoint/2010/main" val="1236236442"/>
       </p:ext>
     </p:extLst>
   </p:cSld>
@@ -4353,7 +5029,7 @@
           <p:cNvPr id="2" name="Title 1">
             <a:extLst>
               <a:ext uri="{FF2B5EF4-FFF2-40B4-BE49-F238E27FC236}">
-                <a16:creationId xmlns:a16="http://schemas.microsoft.com/office/drawing/2014/main" id="{F23CAF2A-1B9F-410D-9067-4603E346B64F}"/>
+                <a16:creationId xmlns:a16="http://schemas.microsoft.com/office/drawing/2014/main" id="{EC7298E7-C9E1-4856-997C-6842143D2B9E}"/>
               </a:ext>
             </a:extLst>
           </p:cNvPr>
@@ -4371,7 +5047,7 @@
           <a:p>
             <a:r>
               <a:rPr lang="en-US" dirty="0"/>
-              <a:t>ARF_RE in Python with Scikit-</a:t>
+              <a:t>MOA &amp; scikit-</a:t>
             </a:r>
             <a:r>
               <a:rPr lang="en-US" dirty="0" err="1"/>
@@ -4386,7 +5062,7 @@
           <p:cNvPr id="3" name="Content Placeholder 2">
             <a:extLst>
               <a:ext uri="{FF2B5EF4-FFF2-40B4-BE49-F238E27FC236}">
-                <a16:creationId xmlns:a16="http://schemas.microsoft.com/office/drawing/2014/main" id="{AC8EC3C1-6821-4EB6-B9C8-F1B5F82361D6}"/>
+                <a16:creationId xmlns:a16="http://schemas.microsoft.com/office/drawing/2014/main" id="{A5323EA9-EF01-4B42-B834-162277563AE7}"/>
               </a:ext>
             </a:extLst>
           </p:cNvPr>
@@ -4399,17 +5075,167 @@
         </p:nvSpPr>
         <p:spPr/>
         <p:txBody>
-          <a:bodyPr/>
-          <a:lstStyle/>
-          <a:p>
-            <a:endParaRPr lang="en-IN"/>
+          <a:bodyPr>
+            <a:normAutofit/>
+          </a:bodyPr>
+          <a:lstStyle/>
+          <a:p>
+            <a:r>
+              <a:rPr lang="en-US" b="1" dirty="0">
+                <a:solidFill>
+                  <a:schemeClr val="accent2">
+                    <a:lumMod val="75000"/>
+                  </a:schemeClr>
+                </a:solidFill>
+              </a:rPr>
+              <a:t>Moa: Massive Online Analysis</a:t>
+            </a:r>
+          </a:p>
+          <a:p>
+            <a:pPr lvl="1"/>
+            <a:r>
+              <a:rPr lang="en-US" dirty="0"/>
+              <a:t>Java based ML tool for stream</a:t>
+            </a:r>
+          </a:p>
+          <a:p>
+            <a:pPr lvl="1"/>
+            <a:r>
+              <a:rPr lang="en-GB" dirty="0"/>
+              <a:t>ML Algo: classification, regression, clustering, outlier detection, concept drift detection and recommender systems and tools for evaluation.</a:t>
+            </a:r>
+          </a:p>
+          <a:p>
+            <a:pPr lvl="1"/>
+            <a:r>
+              <a:rPr lang="en-GB" dirty="0">
+                <a:solidFill>
+                  <a:srgbClr val="0070C0"/>
+                </a:solidFill>
+              </a:rPr>
+              <a:t>Experiments in the paper were performed on MOA with ARF</a:t>
+            </a:r>
+            <a:r>
+              <a:rPr lang="en-GB" baseline="-25000" dirty="0">
+                <a:solidFill>
+                  <a:srgbClr val="0070C0"/>
+                </a:solidFill>
+              </a:rPr>
+              <a:t>RE</a:t>
+            </a:r>
+            <a:r>
+              <a:rPr lang="en-GB" dirty="0">
+                <a:solidFill>
+                  <a:srgbClr val="0070C0"/>
+                </a:solidFill>
+              </a:rPr>
+              <a:t> extension.</a:t>
+            </a:r>
+          </a:p>
+          <a:p>
+            <a:r>
+              <a:rPr lang="en-GB" b="1" dirty="0">
+                <a:solidFill>
+                  <a:schemeClr val="accent2">
+                    <a:lumMod val="75000"/>
+                  </a:schemeClr>
+                </a:solidFill>
+              </a:rPr>
+              <a:t>Scikit-</a:t>
+            </a:r>
+            <a:r>
+              <a:rPr lang="en-GB" b="1" dirty="0" err="1">
+                <a:solidFill>
+                  <a:schemeClr val="accent2">
+                    <a:lumMod val="75000"/>
+                  </a:schemeClr>
+                </a:solidFill>
+              </a:rPr>
+              <a:t>multiflow</a:t>
+            </a:r>
+            <a:endParaRPr lang="en-GB" b="1" dirty="0">
+              <a:solidFill>
+                <a:schemeClr val="accent2">
+                  <a:lumMod val="75000"/>
+                </a:schemeClr>
+              </a:solidFill>
+            </a:endParaRPr>
+          </a:p>
+          <a:p>
+            <a:pPr lvl="1"/>
+            <a:r>
+              <a:rPr lang="en-GB" dirty="0"/>
+              <a:t>Inspired by MOA</a:t>
+            </a:r>
+          </a:p>
+          <a:p>
+            <a:pPr lvl="1"/>
+            <a:r>
+              <a:rPr lang="en-GB" dirty="0"/>
+              <a:t>Inspired on scikit-learn</a:t>
+            </a:r>
+          </a:p>
+          <a:p>
+            <a:pPr lvl="1"/>
+            <a:r>
+              <a:rPr lang="en-GB" dirty="0"/>
+              <a:t>multi-output/multi-label and stream data.</a:t>
+            </a:r>
+          </a:p>
+          <a:p>
+            <a:pPr lvl="1"/>
+            <a:r>
+              <a:rPr lang="en-GB" dirty="0">
+                <a:solidFill>
+                  <a:srgbClr val="0070C0"/>
+                </a:solidFill>
+              </a:rPr>
+              <a:t>We are adding ARF</a:t>
+            </a:r>
+            <a:r>
+              <a:rPr lang="en-GB" baseline="-25000" dirty="0">
+                <a:solidFill>
+                  <a:srgbClr val="0070C0"/>
+                </a:solidFill>
+              </a:rPr>
+              <a:t>RE</a:t>
+            </a:r>
+            <a:r>
+              <a:rPr lang="en-GB" dirty="0">
+                <a:solidFill>
+                  <a:srgbClr val="0070C0"/>
+                </a:solidFill>
+              </a:rPr>
+              <a:t> in scikit-</a:t>
+            </a:r>
+            <a:r>
+              <a:rPr lang="en-GB" dirty="0" err="1">
+                <a:solidFill>
+                  <a:srgbClr val="0070C0"/>
+                </a:solidFill>
+              </a:rPr>
+              <a:t>multiflow</a:t>
+            </a:r>
+            <a:r>
+              <a:rPr lang="en-GB" dirty="0">
+                <a:solidFill>
+                  <a:srgbClr val="0070C0"/>
+                </a:solidFill>
+              </a:rPr>
+              <a:t>. </a:t>
+            </a:r>
+            <a:endParaRPr lang="en-IN" dirty="0">
+              <a:solidFill>
+                <a:srgbClr val="0070C0"/>
+              </a:solidFill>
+            </a:endParaRPr>
           </a:p>
         </p:txBody>
       </p:sp>
     </p:spTree>
     <p:extLst>
       <p:ext uri="{BB962C8B-B14F-4D97-AF65-F5344CB8AC3E}">
-        <p14:creationId xmlns:p14="http://schemas.microsoft.com/office/powerpoint/2010/main" val="377988156"/>
+        <p14:creationId xmlns:p14="http://schemas.microsoft.com/office/powerpoint/2010/main" val="3573363969"/>
       </p:ext>
     </p:extLst>
   </p:cSld>
@@ -4441,7 +5267,7 @@
           <p:cNvPr id="2" name="Title 1">
             <a:extLst>
               <a:ext uri="{FF2B5EF4-FFF2-40B4-BE49-F238E27FC236}">
-                <a16:creationId xmlns:a16="http://schemas.microsoft.com/office/drawing/2014/main" id="{7454AF39-F3AD-4144-B693-4BEF3D637D71}"/>
+                <a16:creationId xmlns:a16="http://schemas.microsoft.com/office/drawing/2014/main" id="{4F93AE99-98AF-4305-B095-53FF5B5BB4B2}"/>
               </a:ext>
             </a:extLst>
           </p:cNvPr>
@@ -4459,7 +5285,7 @@
           <a:p>
             <a:r>
               <a:rPr lang="en-US" dirty="0"/>
-              <a:t>Pseudo Code</a:t>
+              <a:t>Datasets</a:t>
             </a:r>
             <a:endParaRPr lang="en-IN" dirty="0"/>
           </a:p>
@@ -4470,7 +5296,7 @@
           <p:cNvPr id="3" name="Content Placeholder 2">
             <a:extLst>
               <a:ext uri="{FF2B5EF4-FFF2-40B4-BE49-F238E27FC236}">
-                <a16:creationId xmlns:a16="http://schemas.microsoft.com/office/drawing/2014/main" id="{593D20D4-D416-4B5A-842C-686C91AE2E2C}"/>
+                <a16:creationId xmlns:a16="http://schemas.microsoft.com/office/drawing/2014/main" id="{BC156463-8881-456E-8FA3-084F43695FB8}"/>
               </a:ext>
             </a:extLst>
           </p:cNvPr>
@@ -4483,17 +5309,64 @@
         </p:nvSpPr>
         <p:spPr/>
         <p:txBody>
-          <a:bodyPr/>
-          <a:lstStyle/>
-          <a:p>
-            <a:endParaRPr lang="en-IN"/>
+          <a:bodyPr>
+            <a:normAutofit lnSpcReduction="10000"/>
+          </a:bodyPr>
+          <a:lstStyle/>
+          <a:p>
+            <a:r>
+              <a:rPr lang="en-US" dirty="0"/>
+              <a:t>Currently we are considering 5 data sets, 4 real and 1 synthetic.</a:t>
+            </a:r>
+          </a:p>
+          <a:p>
+            <a:r>
+              <a:rPr lang="en-US" b="1" dirty="0"/>
+              <a:t>AIR: </a:t>
+            </a:r>
+            <a:r>
+              <a:rPr lang="en-US" dirty="0"/>
+              <a:t>Airline dataset, task is to predict which flights are going to be delayed based on information on the scheduled departure.</a:t>
+            </a:r>
+          </a:p>
+          <a:p>
+            <a:r>
+              <a:rPr lang="en-US" b="1" dirty="0"/>
+              <a:t>ELEC: </a:t>
+            </a:r>
+            <a:r>
+              <a:rPr lang="en-US" dirty="0"/>
+              <a:t>Electricity dataset, task is to predict whether the electricity prices are going up or down relative to moving avg of last 24h.</a:t>
+            </a:r>
+          </a:p>
+          <a:p>
+            <a:r>
+              <a:rPr lang="en-US" b="1" dirty="0"/>
+              <a:t>GMSC: </a:t>
+            </a:r>
+            <a:r>
+              <a:rPr lang="en-US" dirty="0"/>
+              <a:t>Goal is to predict whether a loan should be allowed.</a:t>
+            </a:r>
+          </a:p>
+          <a:p>
+            <a:r>
+              <a:rPr lang="en-US" dirty="0"/>
+              <a:t>COVTYPE: A forest cover type for 30X30 m cell, where each cover types represented by one of the seven classes</a:t>
+            </a:r>
+          </a:p>
+          <a:p>
+            <a:r>
+              <a:rPr lang="en-US" dirty="0"/>
+              <a:t>SEA Generator: Produces data streams with three continuous features.</a:t>
+            </a:r>
           </a:p>
         </p:txBody>
       </p:sp>
     </p:spTree>
     <p:extLst>
       <p:ext uri="{BB962C8B-B14F-4D97-AF65-F5344CB8AC3E}">
-        <p14:creationId xmlns:p14="http://schemas.microsoft.com/office/powerpoint/2010/main" val="3414111520"/>
+        <p14:creationId xmlns:p14="http://schemas.microsoft.com/office/powerpoint/2010/main" val="2135145430"/>
       </p:ext>
     </p:extLst>
   </p:cSld>
